--- a/FlightBookingSystemArchitecture.pptx
+++ b/FlightBookingSystemArchitecture.pptx
@@ -2,7 +2,7 @@
 <file path=ppt/presentation.xml><?xml version="1.0" encoding="utf-8"?>
 <p:presentation xmlns:a="http://schemas.openxmlformats.org/drawingml/2006/main" xmlns:r="http://schemas.openxmlformats.org/officeDocument/2006/relationships" xmlns:p="http://schemas.openxmlformats.org/presentationml/2006/main" saveSubsetFonts="1">
   <p:sldMasterIdLst>
-    <p:sldMasterId id="2147483660" r:id="rId1"/>
+    <p:sldMasterId id="2147483648" r:id="rId1"/>
   </p:sldMasterIdLst>
   <p:sldIdLst>
     <p:sldId id="256" r:id="rId2"/>
@@ -13,7 +13,7 @@
     <a:defPPr>
       <a:defRPr lang="en-US"/>
     </a:defPPr>
-    <a:lvl1pPr marL="0" algn="l" defTabSz="457200" rtl="0" eaLnBrk="1" latinLnBrk="0" hangingPunct="1">
+    <a:lvl1pPr marL="0" algn="l" defTabSz="914400" rtl="0" eaLnBrk="1" latinLnBrk="0" hangingPunct="1">
       <a:defRPr sz="1800" kern="1200">
         <a:solidFill>
           <a:schemeClr val="tx1"/>
@@ -23,7 +23,7 @@
         <a:cs typeface="+mn-cs"/>
       </a:defRPr>
     </a:lvl1pPr>
-    <a:lvl2pPr marL="457200" algn="l" defTabSz="457200" rtl="0" eaLnBrk="1" latinLnBrk="0" hangingPunct="1">
+    <a:lvl2pPr marL="457200" algn="l" defTabSz="914400" rtl="0" eaLnBrk="1" latinLnBrk="0" hangingPunct="1">
       <a:defRPr sz="1800" kern="1200">
         <a:solidFill>
           <a:schemeClr val="tx1"/>
@@ -33,7 +33,7 @@
         <a:cs typeface="+mn-cs"/>
       </a:defRPr>
     </a:lvl2pPr>
-    <a:lvl3pPr marL="914400" algn="l" defTabSz="457200" rtl="0" eaLnBrk="1" latinLnBrk="0" hangingPunct="1">
+    <a:lvl3pPr marL="914400" algn="l" defTabSz="914400" rtl="0" eaLnBrk="1" latinLnBrk="0" hangingPunct="1">
       <a:defRPr sz="1800" kern="1200">
         <a:solidFill>
           <a:schemeClr val="tx1"/>
@@ -43,7 +43,7 @@
         <a:cs typeface="+mn-cs"/>
       </a:defRPr>
     </a:lvl3pPr>
-    <a:lvl4pPr marL="1371600" algn="l" defTabSz="457200" rtl="0" eaLnBrk="1" latinLnBrk="0" hangingPunct="1">
+    <a:lvl4pPr marL="1371600" algn="l" defTabSz="914400" rtl="0" eaLnBrk="1" latinLnBrk="0" hangingPunct="1">
       <a:defRPr sz="1800" kern="1200">
         <a:solidFill>
           <a:schemeClr val="tx1"/>
@@ -53,7 +53,7 @@
         <a:cs typeface="+mn-cs"/>
       </a:defRPr>
     </a:lvl4pPr>
-    <a:lvl5pPr marL="1828800" algn="l" defTabSz="457200" rtl="0" eaLnBrk="1" latinLnBrk="0" hangingPunct="1">
+    <a:lvl5pPr marL="1828800" algn="l" defTabSz="914400" rtl="0" eaLnBrk="1" latinLnBrk="0" hangingPunct="1">
       <a:defRPr sz="1800" kern="1200">
         <a:solidFill>
           <a:schemeClr val="tx1"/>
@@ -63,7 +63,7 @@
         <a:cs typeface="+mn-cs"/>
       </a:defRPr>
     </a:lvl5pPr>
-    <a:lvl6pPr marL="2286000" algn="l" defTabSz="457200" rtl="0" eaLnBrk="1" latinLnBrk="0" hangingPunct="1">
+    <a:lvl6pPr marL="2286000" algn="l" defTabSz="914400" rtl="0" eaLnBrk="1" latinLnBrk="0" hangingPunct="1">
       <a:defRPr sz="1800" kern="1200">
         <a:solidFill>
           <a:schemeClr val="tx1"/>
@@ -73,7 +73,7 @@
         <a:cs typeface="+mn-cs"/>
       </a:defRPr>
     </a:lvl6pPr>
-    <a:lvl7pPr marL="2743200" algn="l" defTabSz="457200" rtl="0" eaLnBrk="1" latinLnBrk="0" hangingPunct="1">
+    <a:lvl7pPr marL="2743200" algn="l" defTabSz="914400" rtl="0" eaLnBrk="1" latinLnBrk="0" hangingPunct="1">
       <a:defRPr sz="1800" kern="1200">
         <a:solidFill>
           <a:schemeClr val="tx1"/>
@@ -83,7 +83,7 @@
         <a:cs typeface="+mn-cs"/>
       </a:defRPr>
     </a:lvl7pPr>
-    <a:lvl8pPr marL="3200400" algn="l" defTabSz="457200" rtl="0" eaLnBrk="1" latinLnBrk="0" hangingPunct="1">
+    <a:lvl8pPr marL="3200400" algn="l" defTabSz="914400" rtl="0" eaLnBrk="1" latinLnBrk="0" hangingPunct="1">
       <a:defRPr sz="1800" kern="1200">
         <a:solidFill>
           <a:schemeClr val="tx1"/>
@@ -93,7 +93,7 @@
         <a:cs typeface="+mn-cs"/>
       </a:defRPr>
     </a:lvl8pPr>
-    <a:lvl9pPr marL="3657600" algn="l" defTabSz="457200" rtl="0" eaLnBrk="1" latinLnBrk="0" hangingPunct="1">
+    <a:lvl9pPr marL="3657600" algn="l" defTabSz="914400" rtl="0" eaLnBrk="1" latinLnBrk="0" hangingPunct="1">
       <a:defRPr sz="1800" kern="1200">
         <a:solidFill>
           <a:schemeClr val="tx1"/>
@@ -104,11 +104,6 @@
       </a:defRPr>
     </a:lvl9pPr>
   </p:defaultTextStyle>
-  <p:extLst>
-    <p:ext uri="{EFAFB233-063F-42B5-8137-9DF3F51BA10A}">
-      <p15:sldGuideLst xmlns:p15="http://schemas.microsoft.com/office/powerpoint/2012/main"/>
-    </p:ext>
-  </p:extLst>
 </p:presentation>
 </file>
 
@@ -131,7 +126,13 @@
       </p:grpSpPr>
       <p:sp>
         <p:nvSpPr>
-          <p:cNvPr id="2" name="Title 1"/>
+          <p:cNvPr id="2" name="Title 1">
+            <a:extLst>
+              <a:ext uri="{FF2B5EF4-FFF2-40B4-BE49-F238E27FC236}">
+                <a16:creationId xmlns:a16="http://schemas.microsoft.com/office/drawing/2014/main" id="{294D2DB3-1E59-4E26-A46E-E271DF9E0FA2}"/>
+              </a:ext>
+            </a:extLst>
+          </p:cNvPr>
           <p:cNvSpPr>
             <a:spLocks noGrp="1"/>
           </p:cNvSpPr>
@@ -157,13 +158,19 @@
               <a:rPr lang="en-US"/>
               <a:t>Click to edit Master title style</a:t>
             </a:r>
-            <a:endParaRPr lang="en-US" dirty="0"/>
-          </a:p>
-        </p:txBody>
-      </p:sp>
-      <p:sp>
-        <p:nvSpPr>
-          <p:cNvPr id="3" name="Subtitle 2"/>
+            <a:endParaRPr lang="en-IN"/>
+          </a:p>
+        </p:txBody>
+      </p:sp>
+      <p:sp>
+        <p:nvSpPr>
+          <p:cNvPr id="3" name="Subtitle 2">
+            <a:extLst>
+              <a:ext uri="{FF2B5EF4-FFF2-40B4-BE49-F238E27FC236}">
+                <a16:creationId xmlns:a16="http://schemas.microsoft.com/office/drawing/2014/main" id="{34B4CB27-DD1E-4126-9DC6-1E3CEEAAE844}"/>
+              </a:ext>
+            </a:extLst>
+          </p:cNvPr>
           <p:cNvSpPr>
             <a:spLocks noGrp="1"/>
           </p:cNvSpPr>
@@ -222,13 +229,19 @@
               <a:rPr lang="en-US"/>
               <a:t>Click to edit Master subtitle style</a:t>
             </a:r>
-            <a:endParaRPr lang="en-US" dirty="0"/>
-          </a:p>
-        </p:txBody>
-      </p:sp>
-      <p:sp>
-        <p:nvSpPr>
-          <p:cNvPr id="4" name="Date Placeholder 3"/>
+            <a:endParaRPr lang="en-IN"/>
+          </a:p>
+        </p:txBody>
+      </p:sp>
+      <p:sp>
+        <p:nvSpPr>
+          <p:cNvPr id="4" name="Date Placeholder 3">
+            <a:extLst>
+              <a:ext uri="{FF2B5EF4-FFF2-40B4-BE49-F238E27FC236}">
+                <a16:creationId xmlns:a16="http://schemas.microsoft.com/office/drawing/2014/main" id="{81C4D68F-CABD-496D-8B2D-0AE79233FCB7}"/>
+              </a:ext>
+            </a:extLst>
+          </p:cNvPr>
           <p:cNvSpPr>
             <a:spLocks noGrp="1"/>
           </p:cNvSpPr>
@@ -251,7 +264,13 @@
       </p:sp>
       <p:sp>
         <p:nvSpPr>
-          <p:cNvPr id="5" name="Footer Placeholder 4"/>
+          <p:cNvPr id="5" name="Footer Placeholder 4">
+            <a:extLst>
+              <a:ext uri="{FF2B5EF4-FFF2-40B4-BE49-F238E27FC236}">
+                <a16:creationId xmlns:a16="http://schemas.microsoft.com/office/drawing/2014/main" id="{7F4FD26B-0382-41E5-A298-B50814DE95DF}"/>
+              </a:ext>
+            </a:extLst>
+          </p:cNvPr>
           <p:cNvSpPr>
             <a:spLocks noGrp="1"/>
           </p:cNvSpPr>
@@ -270,7 +289,13 @@
       </p:sp>
       <p:sp>
         <p:nvSpPr>
-          <p:cNvPr id="6" name="Slide Number Placeholder 5"/>
+          <p:cNvPr id="6" name="Slide Number Placeholder 5">
+            <a:extLst>
+              <a:ext uri="{FF2B5EF4-FFF2-40B4-BE49-F238E27FC236}">
+                <a16:creationId xmlns:a16="http://schemas.microsoft.com/office/drawing/2014/main" id="{D993516B-DB48-4176-8003-DD35B26C449D}"/>
+              </a:ext>
+            </a:extLst>
+          </p:cNvPr>
           <p:cNvSpPr>
             <a:spLocks noGrp="1"/>
           </p:cNvSpPr>
@@ -294,7 +319,7 @@
     </p:spTree>
     <p:extLst>
       <p:ext uri="{BB962C8B-B14F-4D97-AF65-F5344CB8AC3E}">
-        <p14:creationId xmlns:p14="http://schemas.microsoft.com/office/powerpoint/2010/main" val="2710365150"/>
+        <p14:creationId xmlns:p14="http://schemas.microsoft.com/office/powerpoint/2010/main" val="4269956197"/>
       </p:ext>
     </p:extLst>
   </p:cSld>
@@ -323,7 +348,13 @@
       </p:grpSpPr>
       <p:sp>
         <p:nvSpPr>
-          <p:cNvPr id="2" name="Title 1"/>
+          <p:cNvPr id="2" name="Title 1">
+            <a:extLst>
+              <a:ext uri="{FF2B5EF4-FFF2-40B4-BE49-F238E27FC236}">
+                <a16:creationId xmlns:a16="http://schemas.microsoft.com/office/drawing/2014/main" id="{649BB51A-A87D-4F05-8BB3-D74BCC11FC5A}"/>
+              </a:ext>
+            </a:extLst>
+          </p:cNvPr>
           <p:cNvSpPr>
             <a:spLocks noGrp="1"/>
           </p:cNvSpPr>
@@ -340,13 +371,19 @@
               <a:rPr lang="en-US"/>
               <a:t>Click to edit Master title style</a:t>
             </a:r>
-            <a:endParaRPr lang="en-US" dirty="0"/>
-          </a:p>
-        </p:txBody>
-      </p:sp>
-      <p:sp>
-        <p:nvSpPr>
-          <p:cNvPr id="3" name="Vertical Text Placeholder 2"/>
+            <a:endParaRPr lang="en-IN"/>
+          </a:p>
+        </p:txBody>
+      </p:sp>
+      <p:sp>
+        <p:nvSpPr>
+          <p:cNvPr id="3" name="Vertical Text Placeholder 2">
+            <a:extLst>
+              <a:ext uri="{FF2B5EF4-FFF2-40B4-BE49-F238E27FC236}">
+                <a16:creationId xmlns:a16="http://schemas.microsoft.com/office/drawing/2014/main" id="{0AEEE8F4-0E75-42EA-94E8-C5D40D9573D0}"/>
+              </a:ext>
+            </a:extLst>
+          </p:cNvPr>
           <p:cNvSpPr>
             <a:spLocks noGrp="1"/>
           </p:cNvSpPr>
@@ -392,13 +429,19 @@
               <a:rPr lang="en-US"/>
               <a:t>Fifth level</a:t>
             </a:r>
-            <a:endParaRPr lang="en-US" dirty="0"/>
-          </a:p>
-        </p:txBody>
-      </p:sp>
-      <p:sp>
-        <p:nvSpPr>
-          <p:cNvPr id="4" name="Date Placeholder 3"/>
+            <a:endParaRPr lang="en-IN"/>
+          </a:p>
+        </p:txBody>
+      </p:sp>
+      <p:sp>
+        <p:nvSpPr>
+          <p:cNvPr id="4" name="Date Placeholder 3">
+            <a:extLst>
+              <a:ext uri="{FF2B5EF4-FFF2-40B4-BE49-F238E27FC236}">
+                <a16:creationId xmlns:a16="http://schemas.microsoft.com/office/drawing/2014/main" id="{348C5FBD-6A8A-4353-8292-E766493E2D52}"/>
+              </a:ext>
+            </a:extLst>
+          </p:cNvPr>
           <p:cNvSpPr>
             <a:spLocks noGrp="1"/>
           </p:cNvSpPr>
@@ -421,7 +464,13 @@
       </p:sp>
       <p:sp>
         <p:nvSpPr>
-          <p:cNvPr id="5" name="Footer Placeholder 4"/>
+          <p:cNvPr id="5" name="Footer Placeholder 4">
+            <a:extLst>
+              <a:ext uri="{FF2B5EF4-FFF2-40B4-BE49-F238E27FC236}">
+                <a16:creationId xmlns:a16="http://schemas.microsoft.com/office/drawing/2014/main" id="{865896F5-5CC6-4630-9DA7-A6ED8C33CCDC}"/>
+              </a:ext>
+            </a:extLst>
+          </p:cNvPr>
           <p:cNvSpPr>
             <a:spLocks noGrp="1"/>
           </p:cNvSpPr>
@@ -440,7 +489,13 @@
       </p:sp>
       <p:sp>
         <p:nvSpPr>
-          <p:cNvPr id="6" name="Slide Number Placeholder 5"/>
+          <p:cNvPr id="6" name="Slide Number Placeholder 5">
+            <a:extLst>
+              <a:ext uri="{FF2B5EF4-FFF2-40B4-BE49-F238E27FC236}">
+                <a16:creationId xmlns:a16="http://schemas.microsoft.com/office/drawing/2014/main" id="{C58A5EA8-68B4-49C7-AB85-C41B591750E1}"/>
+              </a:ext>
+            </a:extLst>
+          </p:cNvPr>
           <p:cNvSpPr>
             <a:spLocks noGrp="1"/>
           </p:cNvSpPr>
@@ -464,7 +519,7 @@
     </p:spTree>
     <p:extLst>
       <p:ext uri="{BB962C8B-B14F-4D97-AF65-F5344CB8AC3E}">
-        <p14:creationId xmlns:p14="http://schemas.microsoft.com/office/powerpoint/2010/main" val="3043797227"/>
+        <p14:creationId xmlns:p14="http://schemas.microsoft.com/office/powerpoint/2010/main" val="3033454831"/>
       </p:ext>
     </p:extLst>
   </p:cSld>
@@ -493,7 +548,13 @@
       </p:grpSpPr>
       <p:sp>
         <p:nvSpPr>
-          <p:cNvPr id="2" name="Vertical Title 1"/>
+          <p:cNvPr id="2" name="Vertical Title 1">
+            <a:extLst>
+              <a:ext uri="{FF2B5EF4-FFF2-40B4-BE49-F238E27FC236}">
+                <a16:creationId xmlns:a16="http://schemas.microsoft.com/office/drawing/2014/main" id="{A5D2989C-9F48-4DC8-A0F9-0F1CAA8DB8EC}"/>
+              </a:ext>
+            </a:extLst>
+          </p:cNvPr>
           <p:cNvSpPr>
             <a:spLocks noGrp="1"/>
           </p:cNvSpPr>
@@ -515,13 +576,19 @@
               <a:rPr lang="en-US"/>
               <a:t>Click to edit Master title style</a:t>
             </a:r>
-            <a:endParaRPr lang="en-US" dirty="0"/>
-          </a:p>
-        </p:txBody>
-      </p:sp>
-      <p:sp>
-        <p:nvSpPr>
-          <p:cNvPr id="3" name="Vertical Text Placeholder 2"/>
+            <a:endParaRPr lang="en-IN"/>
+          </a:p>
+        </p:txBody>
+      </p:sp>
+      <p:sp>
+        <p:nvSpPr>
+          <p:cNvPr id="3" name="Vertical Text Placeholder 2">
+            <a:extLst>
+              <a:ext uri="{FF2B5EF4-FFF2-40B4-BE49-F238E27FC236}">
+                <a16:creationId xmlns:a16="http://schemas.microsoft.com/office/drawing/2014/main" id="{E5826A24-7B37-4FFC-B72C-081FA5828FEE}"/>
+              </a:ext>
+            </a:extLst>
+          </p:cNvPr>
           <p:cNvSpPr>
             <a:spLocks noGrp="1"/>
           </p:cNvSpPr>
@@ -572,13 +639,19 @@
               <a:rPr lang="en-US"/>
               <a:t>Fifth level</a:t>
             </a:r>
-            <a:endParaRPr lang="en-US" dirty="0"/>
-          </a:p>
-        </p:txBody>
-      </p:sp>
-      <p:sp>
-        <p:nvSpPr>
-          <p:cNvPr id="4" name="Date Placeholder 3"/>
+            <a:endParaRPr lang="en-IN"/>
+          </a:p>
+        </p:txBody>
+      </p:sp>
+      <p:sp>
+        <p:nvSpPr>
+          <p:cNvPr id="4" name="Date Placeholder 3">
+            <a:extLst>
+              <a:ext uri="{FF2B5EF4-FFF2-40B4-BE49-F238E27FC236}">
+                <a16:creationId xmlns:a16="http://schemas.microsoft.com/office/drawing/2014/main" id="{36D39529-E7B5-446C-923E-55C11DC0C38E}"/>
+              </a:ext>
+            </a:extLst>
+          </p:cNvPr>
           <p:cNvSpPr>
             <a:spLocks noGrp="1"/>
           </p:cNvSpPr>
@@ -601,7 +674,13 @@
       </p:sp>
       <p:sp>
         <p:nvSpPr>
-          <p:cNvPr id="5" name="Footer Placeholder 4"/>
+          <p:cNvPr id="5" name="Footer Placeholder 4">
+            <a:extLst>
+              <a:ext uri="{FF2B5EF4-FFF2-40B4-BE49-F238E27FC236}">
+                <a16:creationId xmlns:a16="http://schemas.microsoft.com/office/drawing/2014/main" id="{BD02CC98-518D-4487-899C-7071F11DDF3B}"/>
+              </a:ext>
+            </a:extLst>
+          </p:cNvPr>
           <p:cNvSpPr>
             <a:spLocks noGrp="1"/>
           </p:cNvSpPr>
@@ -620,7 +699,13 @@
       </p:sp>
       <p:sp>
         <p:nvSpPr>
-          <p:cNvPr id="6" name="Slide Number Placeholder 5"/>
+          <p:cNvPr id="6" name="Slide Number Placeholder 5">
+            <a:extLst>
+              <a:ext uri="{FF2B5EF4-FFF2-40B4-BE49-F238E27FC236}">
+                <a16:creationId xmlns:a16="http://schemas.microsoft.com/office/drawing/2014/main" id="{9E8B9D63-9C12-4123-86A7-D39A38CC41DD}"/>
+              </a:ext>
+            </a:extLst>
+          </p:cNvPr>
           <p:cNvSpPr>
             <a:spLocks noGrp="1"/>
           </p:cNvSpPr>
@@ -644,7 +729,7 @@
     </p:spTree>
     <p:extLst>
       <p:ext uri="{BB962C8B-B14F-4D97-AF65-F5344CB8AC3E}">
-        <p14:creationId xmlns:p14="http://schemas.microsoft.com/office/powerpoint/2010/main" val="4115121197"/>
+        <p14:creationId xmlns:p14="http://schemas.microsoft.com/office/powerpoint/2010/main" val="1667280015"/>
       </p:ext>
     </p:extLst>
   </p:cSld>
@@ -673,7 +758,13 @@
       </p:grpSpPr>
       <p:sp>
         <p:nvSpPr>
-          <p:cNvPr id="2" name="Title 1"/>
+          <p:cNvPr id="2" name="Title 1">
+            <a:extLst>
+              <a:ext uri="{FF2B5EF4-FFF2-40B4-BE49-F238E27FC236}">
+                <a16:creationId xmlns:a16="http://schemas.microsoft.com/office/drawing/2014/main" id="{89E7FCA0-6199-4B93-B2EF-3AB56173F5BC}"/>
+              </a:ext>
+            </a:extLst>
+          </p:cNvPr>
           <p:cNvSpPr>
             <a:spLocks noGrp="1"/>
           </p:cNvSpPr>
@@ -690,13 +781,19 @@
               <a:rPr lang="en-US"/>
               <a:t>Click to edit Master title style</a:t>
             </a:r>
-            <a:endParaRPr lang="en-US" dirty="0"/>
-          </a:p>
-        </p:txBody>
-      </p:sp>
-      <p:sp>
-        <p:nvSpPr>
-          <p:cNvPr id="3" name="Content Placeholder 2"/>
+            <a:endParaRPr lang="en-IN"/>
+          </a:p>
+        </p:txBody>
+      </p:sp>
+      <p:sp>
+        <p:nvSpPr>
+          <p:cNvPr id="3" name="Content Placeholder 2">
+            <a:extLst>
+              <a:ext uri="{FF2B5EF4-FFF2-40B4-BE49-F238E27FC236}">
+                <a16:creationId xmlns:a16="http://schemas.microsoft.com/office/drawing/2014/main" id="{3B1B38FD-A77E-4E5D-A659-FD4841C0AE3A}"/>
+              </a:ext>
+            </a:extLst>
+          </p:cNvPr>
           <p:cNvSpPr>
             <a:spLocks noGrp="1"/>
           </p:cNvSpPr>
@@ -742,13 +839,19 @@
               <a:rPr lang="en-US"/>
               <a:t>Fifth level</a:t>
             </a:r>
-            <a:endParaRPr lang="en-US" dirty="0"/>
-          </a:p>
-        </p:txBody>
-      </p:sp>
-      <p:sp>
-        <p:nvSpPr>
-          <p:cNvPr id="4" name="Date Placeholder 3"/>
+            <a:endParaRPr lang="en-IN"/>
+          </a:p>
+        </p:txBody>
+      </p:sp>
+      <p:sp>
+        <p:nvSpPr>
+          <p:cNvPr id="4" name="Date Placeholder 3">
+            <a:extLst>
+              <a:ext uri="{FF2B5EF4-FFF2-40B4-BE49-F238E27FC236}">
+                <a16:creationId xmlns:a16="http://schemas.microsoft.com/office/drawing/2014/main" id="{4A539C86-C69D-48E5-A080-110041C13637}"/>
+              </a:ext>
+            </a:extLst>
+          </p:cNvPr>
           <p:cNvSpPr>
             <a:spLocks noGrp="1"/>
           </p:cNvSpPr>
@@ -771,7 +874,13 @@
       </p:sp>
       <p:sp>
         <p:nvSpPr>
-          <p:cNvPr id="5" name="Footer Placeholder 4"/>
+          <p:cNvPr id="5" name="Footer Placeholder 4">
+            <a:extLst>
+              <a:ext uri="{FF2B5EF4-FFF2-40B4-BE49-F238E27FC236}">
+                <a16:creationId xmlns:a16="http://schemas.microsoft.com/office/drawing/2014/main" id="{FCCDC0E9-EBB4-4664-9FE8-210406592087}"/>
+              </a:ext>
+            </a:extLst>
+          </p:cNvPr>
           <p:cNvSpPr>
             <a:spLocks noGrp="1"/>
           </p:cNvSpPr>
@@ -790,7 +899,13 @@
       </p:sp>
       <p:sp>
         <p:nvSpPr>
-          <p:cNvPr id="6" name="Slide Number Placeholder 5"/>
+          <p:cNvPr id="6" name="Slide Number Placeholder 5">
+            <a:extLst>
+              <a:ext uri="{FF2B5EF4-FFF2-40B4-BE49-F238E27FC236}">
+                <a16:creationId xmlns:a16="http://schemas.microsoft.com/office/drawing/2014/main" id="{AAD00DA1-159D-499D-BEA1-2DD689B147AB}"/>
+              </a:ext>
+            </a:extLst>
+          </p:cNvPr>
           <p:cNvSpPr>
             <a:spLocks noGrp="1"/>
           </p:cNvSpPr>
@@ -814,7 +929,7 @@
     </p:spTree>
     <p:extLst>
       <p:ext uri="{BB962C8B-B14F-4D97-AF65-F5344CB8AC3E}">
-        <p14:creationId xmlns:p14="http://schemas.microsoft.com/office/powerpoint/2010/main" val="2866408577"/>
+        <p14:creationId xmlns:p14="http://schemas.microsoft.com/office/powerpoint/2010/main" val="3021157983"/>
       </p:ext>
     </p:extLst>
   </p:cSld>
@@ -843,7 +958,13 @@
       </p:grpSpPr>
       <p:sp>
         <p:nvSpPr>
-          <p:cNvPr id="2" name="Title 1"/>
+          <p:cNvPr id="2" name="Title 1">
+            <a:extLst>
+              <a:ext uri="{FF2B5EF4-FFF2-40B4-BE49-F238E27FC236}">
+                <a16:creationId xmlns:a16="http://schemas.microsoft.com/office/drawing/2014/main" id="{251E3DBE-DC25-4C22-9229-0B0E82BC4FD1}"/>
+              </a:ext>
+            </a:extLst>
+          </p:cNvPr>
           <p:cNvSpPr>
             <a:spLocks noGrp="1"/>
           </p:cNvSpPr>
@@ -869,13 +990,19 @@
               <a:rPr lang="en-US"/>
               <a:t>Click to edit Master title style</a:t>
             </a:r>
-            <a:endParaRPr lang="en-US" dirty="0"/>
-          </a:p>
-        </p:txBody>
-      </p:sp>
-      <p:sp>
-        <p:nvSpPr>
-          <p:cNvPr id="3" name="Text Placeholder 2"/>
+            <a:endParaRPr lang="en-IN"/>
+          </a:p>
+        </p:txBody>
+      </p:sp>
+      <p:sp>
+        <p:nvSpPr>
+          <p:cNvPr id="3" name="Text Placeholder 2">
+            <a:extLst>
+              <a:ext uri="{FF2B5EF4-FFF2-40B4-BE49-F238E27FC236}">
+                <a16:creationId xmlns:a16="http://schemas.microsoft.com/office/drawing/2014/main" id="{D6ECE25B-925D-40ED-81A4-E05EC7CE6647}"/>
+              </a:ext>
+            </a:extLst>
+          </p:cNvPr>
           <p:cNvSpPr>
             <a:spLocks noGrp="1"/>
           </p:cNvSpPr>
@@ -994,7 +1121,13 @@
       </p:sp>
       <p:sp>
         <p:nvSpPr>
-          <p:cNvPr id="4" name="Date Placeholder 3"/>
+          <p:cNvPr id="4" name="Date Placeholder 3">
+            <a:extLst>
+              <a:ext uri="{FF2B5EF4-FFF2-40B4-BE49-F238E27FC236}">
+                <a16:creationId xmlns:a16="http://schemas.microsoft.com/office/drawing/2014/main" id="{6B02F760-5C78-4AE2-9182-A9E034FFCBAD}"/>
+              </a:ext>
+            </a:extLst>
+          </p:cNvPr>
           <p:cNvSpPr>
             <a:spLocks noGrp="1"/>
           </p:cNvSpPr>
@@ -1017,7 +1150,13 @@
       </p:sp>
       <p:sp>
         <p:nvSpPr>
-          <p:cNvPr id="5" name="Footer Placeholder 4"/>
+          <p:cNvPr id="5" name="Footer Placeholder 4">
+            <a:extLst>
+              <a:ext uri="{FF2B5EF4-FFF2-40B4-BE49-F238E27FC236}">
+                <a16:creationId xmlns:a16="http://schemas.microsoft.com/office/drawing/2014/main" id="{D4632C30-0AAB-454E-9B86-B013D17D4975}"/>
+              </a:ext>
+            </a:extLst>
+          </p:cNvPr>
           <p:cNvSpPr>
             <a:spLocks noGrp="1"/>
           </p:cNvSpPr>
@@ -1036,7 +1175,13 @@
       </p:sp>
       <p:sp>
         <p:nvSpPr>
-          <p:cNvPr id="6" name="Slide Number Placeholder 5"/>
+          <p:cNvPr id="6" name="Slide Number Placeholder 5">
+            <a:extLst>
+              <a:ext uri="{FF2B5EF4-FFF2-40B4-BE49-F238E27FC236}">
+                <a16:creationId xmlns:a16="http://schemas.microsoft.com/office/drawing/2014/main" id="{C13FEEF3-A992-461A-B519-98D35C3FBD37}"/>
+              </a:ext>
+            </a:extLst>
+          </p:cNvPr>
           <p:cNvSpPr>
             <a:spLocks noGrp="1"/>
           </p:cNvSpPr>
@@ -1060,7 +1205,7 @@
     </p:spTree>
     <p:extLst>
       <p:ext uri="{BB962C8B-B14F-4D97-AF65-F5344CB8AC3E}">
-        <p14:creationId xmlns:p14="http://schemas.microsoft.com/office/powerpoint/2010/main" val="1273278870"/>
+        <p14:creationId xmlns:p14="http://schemas.microsoft.com/office/powerpoint/2010/main" val="1591231373"/>
       </p:ext>
     </p:extLst>
   </p:cSld>
@@ -1089,7 +1234,13 @@
       </p:grpSpPr>
       <p:sp>
         <p:nvSpPr>
-          <p:cNvPr id="2" name="Title 1"/>
+          <p:cNvPr id="2" name="Title 1">
+            <a:extLst>
+              <a:ext uri="{FF2B5EF4-FFF2-40B4-BE49-F238E27FC236}">
+                <a16:creationId xmlns:a16="http://schemas.microsoft.com/office/drawing/2014/main" id="{E6EB8B63-86EE-4F65-9893-1D300F1315BC}"/>
+              </a:ext>
+            </a:extLst>
+          </p:cNvPr>
           <p:cNvSpPr>
             <a:spLocks noGrp="1"/>
           </p:cNvSpPr>
@@ -1106,13 +1257,19 @@
               <a:rPr lang="en-US"/>
               <a:t>Click to edit Master title style</a:t>
             </a:r>
-            <a:endParaRPr lang="en-US" dirty="0"/>
-          </a:p>
-        </p:txBody>
-      </p:sp>
-      <p:sp>
-        <p:nvSpPr>
-          <p:cNvPr id="3" name="Content Placeholder 2"/>
+            <a:endParaRPr lang="en-IN"/>
+          </a:p>
+        </p:txBody>
+      </p:sp>
+      <p:sp>
+        <p:nvSpPr>
+          <p:cNvPr id="3" name="Content Placeholder 2">
+            <a:extLst>
+              <a:ext uri="{FF2B5EF4-FFF2-40B4-BE49-F238E27FC236}">
+                <a16:creationId xmlns:a16="http://schemas.microsoft.com/office/drawing/2014/main" id="{B7185656-1603-4933-A5E2-DF5973A0D3CD}"/>
+              </a:ext>
+            </a:extLst>
+          </p:cNvPr>
           <p:cNvSpPr>
             <a:spLocks noGrp="1"/>
           </p:cNvSpPr>
@@ -1163,13 +1320,19 @@
               <a:rPr lang="en-US"/>
               <a:t>Fifth level</a:t>
             </a:r>
-            <a:endParaRPr lang="en-US" dirty="0"/>
-          </a:p>
-        </p:txBody>
-      </p:sp>
-      <p:sp>
-        <p:nvSpPr>
-          <p:cNvPr id="4" name="Content Placeholder 3"/>
+            <a:endParaRPr lang="en-IN"/>
+          </a:p>
+        </p:txBody>
+      </p:sp>
+      <p:sp>
+        <p:nvSpPr>
+          <p:cNvPr id="4" name="Content Placeholder 3">
+            <a:extLst>
+              <a:ext uri="{FF2B5EF4-FFF2-40B4-BE49-F238E27FC236}">
+                <a16:creationId xmlns:a16="http://schemas.microsoft.com/office/drawing/2014/main" id="{8B3C3311-649C-4642-BD50-5163D02FE354}"/>
+              </a:ext>
+            </a:extLst>
+          </p:cNvPr>
           <p:cNvSpPr>
             <a:spLocks noGrp="1"/>
           </p:cNvSpPr>
@@ -1220,13 +1383,19 @@
               <a:rPr lang="en-US"/>
               <a:t>Fifth level</a:t>
             </a:r>
-            <a:endParaRPr lang="en-US" dirty="0"/>
-          </a:p>
-        </p:txBody>
-      </p:sp>
-      <p:sp>
-        <p:nvSpPr>
-          <p:cNvPr id="5" name="Date Placeholder 4"/>
+            <a:endParaRPr lang="en-IN"/>
+          </a:p>
+        </p:txBody>
+      </p:sp>
+      <p:sp>
+        <p:nvSpPr>
+          <p:cNvPr id="5" name="Date Placeholder 4">
+            <a:extLst>
+              <a:ext uri="{FF2B5EF4-FFF2-40B4-BE49-F238E27FC236}">
+                <a16:creationId xmlns:a16="http://schemas.microsoft.com/office/drawing/2014/main" id="{BCEF30DB-0AD4-492B-9FB2-C4F056E46AC6}"/>
+              </a:ext>
+            </a:extLst>
+          </p:cNvPr>
           <p:cNvSpPr>
             <a:spLocks noGrp="1"/>
           </p:cNvSpPr>
@@ -1249,7 +1418,13 @@
       </p:sp>
       <p:sp>
         <p:nvSpPr>
-          <p:cNvPr id="6" name="Footer Placeholder 5"/>
+          <p:cNvPr id="6" name="Footer Placeholder 5">
+            <a:extLst>
+              <a:ext uri="{FF2B5EF4-FFF2-40B4-BE49-F238E27FC236}">
+                <a16:creationId xmlns:a16="http://schemas.microsoft.com/office/drawing/2014/main" id="{13F3818D-79A2-45D8-B07D-719FFED7D5BB}"/>
+              </a:ext>
+            </a:extLst>
+          </p:cNvPr>
           <p:cNvSpPr>
             <a:spLocks noGrp="1"/>
           </p:cNvSpPr>
@@ -1268,7 +1443,13 @@
       </p:sp>
       <p:sp>
         <p:nvSpPr>
-          <p:cNvPr id="7" name="Slide Number Placeholder 6"/>
+          <p:cNvPr id="7" name="Slide Number Placeholder 6">
+            <a:extLst>
+              <a:ext uri="{FF2B5EF4-FFF2-40B4-BE49-F238E27FC236}">
+                <a16:creationId xmlns:a16="http://schemas.microsoft.com/office/drawing/2014/main" id="{0EE08028-CC5B-482C-8E45-37A62092D99D}"/>
+              </a:ext>
+            </a:extLst>
+          </p:cNvPr>
           <p:cNvSpPr>
             <a:spLocks noGrp="1"/>
           </p:cNvSpPr>
@@ -1292,7 +1473,7 @@
     </p:spTree>
     <p:extLst>
       <p:ext uri="{BB962C8B-B14F-4D97-AF65-F5344CB8AC3E}">
-        <p14:creationId xmlns:p14="http://schemas.microsoft.com/office/powerpoint/2010/main" val="4239168626"/>
+        <p14:creationId xmlns:p14="http://schemas.microsoft.com/office/powerpoint/2010/main" val="2930839972"/>
       </p:ext>
     </p:extLst>
   </p:cSld>
@@ -1321,7 +1502,13 @@
       </p:grpSpPr>
       <p:sp>
         <p:nvSpPr>
-          <p:cNvPr id="2" name="Title 1"/>
+          <p:cNvPr id="2" name="Title 1">
+            <a:extLst>
+              <a:ext uri="{FF2B5EF4-FFF2-40B4-BE49-F238E27FC236}">
+                <a16:creationId xmlns:a16="http://schemas.microsoft.com/office/drawing/2014/main" id="{5838D8CA-A41C-4B61-8609-F1BF22DEC6C1}"/>
+              </a:ext>
+            </a:extLst>
+          </p:cNvPr>
           <p:cNvSpPr>
             <a:spLocks noGrp="1"/>
           </p:cNvSpPr>
@@ -1343,13 +1530,19 @@
               <a:rPr lang="en-US"/>
               <a:t>Click to edit Master title style</a:t>
             </a:r>
-            <a:endParaRPr lang="en-US" dirty="0"/>
-          </a:p>
-        </p:txBody>
-      </p:sp>
-      <p:sp>
-        <p:nvSpPr>
-          <p:cNvPr id="3" name="Text Placeholder 2"/>
+            <a:endParaRPr lang="en-IN"/>
+          </a:p>
+        </p:txBody>
+      </p:sp>
+      <p:sp>
+        <p:nvSpPr>
+          <p:cNvPr id="3" name="Text Placeholder 2">
+            <a:extLst>
+              <a:ext uri="{FF2B5EF4-FFF2-40B4-BE49-F238E27FC236}">
+                <a16:creationId xmlns:a16="http://schemas.microsoft.com/office/drawing/2014/main" id="{1846182C-9215-4A29-B6F8-E8F1EE4CF130}"/>
+              </a:ext>
+            </a:extLst>
+          </p:cNvPr>
           <p:cNvSpPr>
             <a:spLocks noGrp="1"/>
           </p:cNvSpPr>
@@ -1414,7 +1607,13 @@
       </p:sp>
       <p:sp>
         <p:nvSpPr>
-          <p:cNvPr id="4" name="Content Placeholder 3"/>
+          <p:cNvPr id="4" name="Content Placeholder 3">
+            <a:extLst>
+              <a:ext uri="{FF2B5EF4-FFF2-40B4-BE49-F238E27FC236}">
+                <a16:creationId xmlns:a16="http://schemas.microsoft.com/office/drawing/2014/main" id="{35108FF7-C57B-443E-AA8D-C99D1A73C494}"/>
+              </a:ext>
+            </a:extLst>
+          </p:cNvPr>
           <p:cNvSpPr>
             <a:spLocks noGrp="1"/>
           </p:cNvSpPr>
@@ -1465,13 +1664,19 @@
               <a:rPr lang="en-US"/>
               <a:t>Fifth level</a:t>
             </a:r>
-            <a:endParaRPr lang="en-US" dirty="0"/>
-          </a:p>
-        </p:txBody>
-      </p:sp>
-      <p:sp>
-        <p:nvSpPr>
-          <p:cNvPr id="5" name="Text Placeholder 4"/>
+            <a:endParaRPr lang="en-IN"/>
+          </a:p>
+        </p:txBody>
+      </p:sp>
+      <p:sp>
+        <p:nvSpPr>
+          <p:cNvPr id="5" name="Text Placeholder 4">
+            <a:extLst>
+              <a:ext uri="{FF2B5EF4-FFF2-40B4-BE49-F238E27FC236}">
+                <a16:creationId xmlns:a16="http://schemas.microsoft.com/office/drawing/2014/main" id="{54BC600A-D3C2-4104-B093-DDE9DB176028}"/>
+              </a:ext>
+            </a:extLst>
+          </p:cNvPr>
           <p:cNvSpPr>
             <a:spLocks noGrp="1"/>
           </p:cNvSpPr>
@@ -1536,7 +1741,13 @@
       </p:sp>
       <p:sp>
         <p:nvSpPr>
-          <p:cNvPr id="6" name="Content Placeholder 5"/>
+          <p:cNvPr id="6" name="Content Placeholder 5">
+            <a:extLst>
+              <a:ext uri="{FF2B5EF4-FFF2-40B4-BE49-F238E27FC236}">
+                <a16:creationId xmlns:a16="http://schemas.microsoft.com/office/drawing/2014/main" id="{1A332AC2-CCB4-4652-99CA-6744925FF63F}"/>
+              </a:ext>
+            </a:extLst>
+          </p:cNvPr>
           <p:cNvSpPr>
             <a:spLocks noGrp="1"/>
           </p:cNvSpPr>
@@ -1587,13 +1798,19 @@
               <a:rPr lang="en-US"/>
               <a:t>Fifth level</a:t>
             </a:r>
-            <a:endParaRPr lang="en-US" dirty="0"/>
-          </a:p>
-        </p:txBody>
-      </p:sp>
-      <p:sp>
-        <p:nvSpPr>
-          <p:cNvPr id="7" name="Date Placeholder 6"/>
+            <a:endParaRPr lang="en-IN"/>
+          </a:p>
+        </p:txBody>
+      </p:sp>
+      <p:sp>
+        <p:nvSpPr>
+          <p:cNvPr id="7" name="Date Placeholder 6">
+            <a:extLst>
+              <a:ext uri="{FF2B5EF4-FFF2-40B4-BE49-F238E27FC236}">
+                <a16:creationId xmlns:a16="http://schemas.microsoft.com/office/drawing/2014/main" id="{17FC4907-2131-4B73-9676-1F56DC5740BC}"/>
+              </a:ext>
+            </a:extLst>
+          </p:cNvPr>
           <p:cNvSpPr>
             <a:spLocks noGrp="1"/>
           </p:cNvSpPr>
@@ -1616,7 +1833,13 @@
       </p:sp>
       <p:sp>
         <p:nvSpPr>
-          <p:cNvPr id="8" name="Footer Placeholder 7"/>
+          <p:cNvPr id="8" name="Footer Placeholder 7">
+            <a:extLst>
+              <a:ext uri="{FF2B5EF4-FFF2-40B4-BE49-F238E27FC236}">
+                <a16:creationId xmlns:a16="http://schemas.microsoft.com/office/drawing/2014/main" id="{082E627E-4F3F-4AC6-BAE1-E65293F2B608}"/>
+              </a:ext>
+            </a:extLst>
+          </p:cNvPr>
           <p:cNvSpPr>
             <a:spLocks noGrp="1"/>
           </p:cNvSpPr>
@@ -1635,7 +1858,13 @@
       </p:sp>
       <p:sp>
         <p:nvSpPr>
-          <p:cNvPr id="9" name="Slide Number Placeholder 8"/>
+          <p:cNvPr id="9" name="Slide Number Placeholder 8">
+            <a:extLst>
+              <a:ext uri="{FF2B5EF4-FFF2-40B4-BE49-F238E27FC236}">
+                <a16:creationId xmlns:a16="http://schemas.microsoft.com/office/drawing/2014/main" id="{BF8D00D7-38AD-43CC-AC41-6957F542E876}"/>
+              </a:ext>
+            </a:extLst>
+          </p:cNvPr>
           <p:cNvSpPr>
             <a:spLocks noGrp="1"/>
           </p:cNvSpPr>
@@ -1659,7 +1888,7 @@
     </p:spTree>
     <p:extLst>
       <p:ext uri="{BB962C8B-B14F-4D97-AF65-F5344CB8AC3E}">
-        <p14:creationId xmlns:p14="http://schemas.microsoft.com/office/powerpoint/2010/main" val="1358741621"/>
+        <p14:creationId xmlns:p14="http://schemas.microsoft.com/office/powerpoint/2010/main" val="2009923077"/>
       </p:ext>
     </p:extLst>
   </p:cSld>
@@ -1688,7 +1917,13 @@
       </p:grpSpPr>
       <p:sp>
         <p:nvSpPr>
-          <p:cNvPr id="2" name="Title 1"/>
+          <p:cNvPr id="2" name="Title 1">
+            <a:extLst>
+              <a:ext uri="{FF2B5EF4-FFF2-40B4-BE49-F238E27FC236}">
+                <a16:creationId xmlns:a16="http://schemas.microsoft.com/office/drawing/2014/main" id="{7E00A142-BB5A-4170-8907-2F926860E55D}"/>
+              </a:ext>
+            </a:extLst>
+          </p:cNvPr>
           <p:cNvSpPr>
             <a:spLocks noGrp="1"/>
           </p:cNvSpPr>
@@ -1705,13 +1940,19 @@
               <a:rPr lang="en-US"/>
               <a:t>Click to edit Master title style</a:t>
             </a:r>
-            <a:endParaRPr lang="en-US" dirty="0"/>
-          </a:p>
-        </p:txBody>
-      </p:sp>
-      <p:sp>
-        <p:nvSpPr>
-          <p:cNvPr id="3" name="Date Placeholder 2"/>
+            <a:endParaRPr lang="en-IN"/>
+          </a:p>
+        </p:txBody>
+      </p:sp>
+      <p:sp>
+        <p:nvSpPr>
+          <p:cNvPr id="3" name="Date Placeholder 2">
+            <a:extLst>
+              <a:ext uri="{FF2B5EF4-FFF2-40B4-BE49-F238E27FC236}">
+                <a16:creationId xmlns:a16="http://schemas.microsoft.com/office/drawing/2014/main" id="{3F9268EA-1244-40FA-B3CE-C25712746A0D}"/>
+              </a:ext>
+            </a:extLst>
+          </p:cNvPr>
           <p:cNvSpPr>
             <a:spLocks noGrp="1"/>
           </p:cNvSpPr>
@@ -1734,7 +1975,13 @@
       </p:sp>
       <p:sp>
         <p:nvSpPr>
-          <p:cNvPr id="4" name="Footer Placeholder 3"/>
+          <p:cNvPr id="4" name="Footer Placeholder 3">
+            <a:extLst>
+              <a:ext uri="{FF2B5EF4-FFF2-40B4-BE49-F238E27FC236}">
+                <a16:creationId xmlns:a16="http://schemas.microsoft.com/office/drawing/2014/main" id="{CC2FC306-4972-42DD-AAF5-2B9EF1D6AA16}"/>
+              </a:ext>
+            </a:extLst>
+          </p:cNvPr>
           <p:cNvSpPr>
             <a:spLocks noGrp="1"/>
           </p:cNvSpPr>
@@ -1753,7 +2000,13 @@
       </p:sp>
       <p:sp>
         <p:nvSpPr>
-          <p:cNvPr id="5" name="Slide Number Placeholder 4"/>
+          <p:cNvPr id="5" name="Slide Number Placeholder 4">
+            <a:extLst>
+              <a:ext uri="{FF2B5EF4-FFF2-40B4-BE49-F238E27FC236}">
+                <a16:creationId xmlns:a16="http://schemas.microsoft.com/office/drawing/2014/main" id="{EB3C2B00-124B-4089-A8D2-74B0AA23982B}"/>
+              </a:ext>
+            </a:extLst>
+          </p:cNvPr>
           <p:cNvSpPr>
             <a:spLocks noGrp="1"/>
           </p:cNvSpPr>
@@ -1777,7 +2030,7 @@
     </p:spTree>
     <p:extLst>
       <p:ext uri="{BB962C8B-B14F-4D97-AF65-F5344CB8AC3E}">
-        <p14:creationId xmlns:p14="http://schemas.microsoft.com/office/powerpoint/2010/main" val="2517422482"/>
+        <p14:creationId xmlns:p14="http://schemas.microsoft.com/office/powerpoint/2010/main" val="984640486"/>
       </p:ext>
     </p:extLst>
   </p:cSld>
@@ -1806,7 +2059,13 @@
       </p:grpSpPr>
       <p:sp>
         <p:nvSpPr>
-          <p:cNvPr id="2" name="Date Placeholder 1"/>
+          <p:cNvPr id="2" name="Date Placeholder 1">
+            <a:extLst>
+              <a:ext uri="{FF2B5EF4-FFF2-40B4-BE49-F238E27FC236}">
+                <a16:creationId xmlns:a16="http://schemas.microsoft.com/office/drawing/2014/main" id="{AC265C8F-923B-496C-A555-572BC6B9FA3A}"/>
+              </a:ext>
+            </a:extLst>
+          </p:cNvPr>
           <p:cNvSpPr>
             <a:spLocks noGrp="1"/>
           </p:cNvSpPr>
@@ -1829,7 +2088,13 @@
       </p:sp>
       <p:sp>
         <p:nvSpPr>
-          <p:cNvPr id="3" name="Footer Placeholder 2"/>
+          <p:cNvPr id="3" name="Footer Placeholder 2">
+            <a:extLst>
+              <a:ext uri="{FF2B5EF4-FFF2-40B4-BE49-F238E27FC236}">
+                <a16:creationId xmlns:a16="http://schemas.microsoft.com/office/drawing/2014/main" id="{620E4C2F-8457-4757-83E4-C298F9812851}"/>
+              </a:ext>
+            </a:extLst>
+          </p:cNvPr>
           <p:cNvSpPr>
             <a:spLocks noGrp="1"/>
           </p:cNvSpPr>
@@ -1848,7 +2113,13 @@
       </p:sp>
       <p:sp>
         <p:nvSpPr>
-          <p:cNvPr id="4" name="Slide Number Placeholder 3"/>
+          <p:cNvPr id="4" name="Slide Number Placeholder 3">
+            <a:extLst>
+              <a:ext uri="{FF2B5EF4-FFF2-40B4-BE49-F238E27FC236}">
+                <a16:creationId xmlns:a16="http://schemas.microsoft.com/office/drawing/2014/main" id="{26DFA854-7EAB-4823-8C2E-5D8DBFFC8FAE}"/>
+              </a:ext>
+            </a:extLst>
+          </p:cNvPr>
           <p:cNvSpPr>
             <a:spLocks noGrp="1"/>
           </p:cNvSpPr>
@@ -1872,7 +2143,7 @@
     </p:spTree>
     <p:extLst>
       <p:ext uri="{BB962C8B-B14F-4D97-AF65-F5344CB8AC3E}">
-        <p14:creationId xmlns:p14="http://schemas.microsoft.com/office/powerpoint/2010/main" val="304643668"/>
+        <p14:creationId xmlns:p14="http://schemas.microsoft.com/office/powerpoint/2010/main" val="1032192453"/>
       </p:ext>
     </p:extLst>
   </p:cSld>
@@ -1901,7 +2172,13 @@
       </p:grpSpPr>
       <p:sp>
         <p:nvSpPr>
-          <p:cNvPr id="2" name="Title 1"/>
+          <p:cNvPr id="2" name="Title 1">
+            <a:extLst>
+              <a:ext uri="{FF2B5EF4-FFF2-40B4-BE49-F238E27FC236}">
+                <a16:creationId xmlns:a16="http://schemas.microsoft.com/office/drawing/2014/main" id="{A36201C8-CA52-4D39-AB71-73999C28D77A}"/>
+              </a:ext>
+            </a:extLst>
+          </p:cNvPr>
           <p:cNvSpPr>
             <a:spLocks noGrp="1"/>
           </p:cNvSpPr>
@@ -1927,13 +2204,19 @@
               <a:rPr lang="en-US"/>
               <a:t>Click to edit Master title style</a:t>
             </a:r>
-            <a:endParaRPr lang="en-US" dirty="0"/>
-          </a:p>
-        </p:txBody>
-      </p:sp>
-      <p:sp>
-        <p:nvSpPr>
-          <p:cNvPr id="3" name="Content Placeholder 2"/>
+            <a:endParaRPr lang="en-IN"/>
+          </a:p>
+        </p:txBody>
+      </p:sp>
+      <p:sp>
+        <p:nvSpPr>
+          <p:cNvPr id="3" name="Content Placeholder 2">
+            <a:extLst>
+              <a:ext uri="{FF2B5EF4-FFF2-40B4-BE49-F238E27FC236}">
+                <a16:creationId xmlns:a16="http://schemas.microsoft.com/office/drawing/2014/main" id="{D054A6B0-8CD9-4443-8AD3-1ED3D761AE4C}"/>
+              </a:ext>
+            </a:extLst>
+          </p:cNvPr>
           <p:cNvSpPr>
             <a:spLocks noGrp="1"/>
           </p:cNvSpPr>
@@ -2012,13 +2295,19 @@
               <a:rPr lang="en-US"/>
               <a:t>Fifth level</a:t>
             </a:r>
-            <a:endParaRPr lang="en-US" dirty="0"/>
-          </a:p>
-        </p:txBody>
-      </p:sp>
-      <p:sp>
-        <p:nvSpPr>
-          <p:cNvPr id="4" name="Text Placeholder 3"/>
+            <a:endParaRPr lang="en-IN"/>
+          </a:p>
+        </p:txBody>
+      </p:sp>
+      <p:sp>
+        <p:nvSpPr>
+          <p:cNvPr id="4" name="Text Placeholder 3">
+            <a:extLst>
+              <a:ext uri="{FF2B5EF4-FFF2-40B4-BE49-F238E27FC236}">
+                <a16:creationId xmlns:a16="http://schemas.microsoft.com/office/drawing/2014/main" id="{00D95216-D4BB-4DD2-848A-DCAAF9C623F5}"/>
+              </a:ext>
+            </a:extLst>
+          </p:cNvPr>
           <p:cNvSpPr>
             <a:spLocks noGrp="1"/>
           </p:cNvSpPr>
@@ -2083,7 +2372,13 @@
       </p:sp>
       <p:sp>
         <p:nvSpPr>
-          <p:cNvPr id="5" name="Date Placeholder 4"/>
+          <p:cNvPr id="5" name="Date Placeholder 4">
+            <a:extLst>
+              <a:ext uri="{FF2B5EF4-FFF2-40B4-BE49-F238E27FC236}">
+                <a16:creationId xmlns:a16="http://schemas.microsoft.com/office/drawing/2014/main" id="{5830C87E-9D0C-429D-B759-64AC27777315}"/>
+              </a:ext>
+            </a:extLst>
+          </p:cNvPr>
           <p:cNvSpPr>
             <a:spLocks noGrp="1"/>
           </p:cNvSpPr>
@@ -2106,7 +2401,13 @@
       </p:sp>
       <p:sp>
         <p:nvSpPr>
-          <p:cNvPr id="6" name="Footer Placeholder 5"/>
+          <p:cNvPr id="6" name="Footer Placeholder 5">
+            <a:extLst>
+              <a:ext uri="{FF2B5EF4-FFF2-40B4-BE49-F238E27FC236}">
+                <a16:creationId xmlns:a16="http://schemas.microsoft.com/office/drawing/2014/main" id="{E3AF9454-5F99-4624-B8AF-08B354E718BC}"/>
+              </a:ext>
+            </a:extLst>
+          </p:cNvPr>
           <p:cNvSpPr>
             <a:spLocks noGrp="1"/>
           </p:cNvSpPr>
@@ -2125,7 +2426,13 @@
       </p:sp>
       <p:sp>
         <p:nvSpPr>
-          <p:cNvPr id="7" name="Slide Number Placeholder 6"/>
+          <p:cNvPr id="7" name="Slide Number Placeholder 6">
+            <a:extLst>
+              <a:ext uri="{FF2B5EF4-FFF2-40B4-BE49-F238E27FC236}">
+                <a16:creationId xmlns:a16="http://schemas.microsoft.com/office/drawing/2014/main" id="{C8BA53A8-2891-4C59-AD0F-AA8943C58449}"/>
+              </a:ext>
+            </a:extLst>
+          </p:cNvPr>
           <p:cNvSpPr>
             <a:spLocks noGrp="1"/>
           </p:cNvSpPr>
@@ -2149,7 +2456,7 @@
     </p:spTree>
     <p:extLst>
       <p:ext uri="{BB962C8B-B14F-4D97-AF65-F5344CB8AC3E}">
-        <p14:creationId xmlns:p14="http://schemas.microsoft.com/office/powerpoint/2010/main" val="1184290284"/>
+        <p14:creationId xmlns:p14="http://schemas.microsoft.com/office/powerpoint/2010/main" val="3014757237"/>
       </p:ext>
     </p:extLst>
   </p:cSld>
@@ -2178,7 +2485,13 @@
       </p:grpSpPr>
       <p:sp>
         <p:nvSpPr>
-          <p:cNvPr id="2" name="Title 1"/>
+          <p:cNvPr id="2" name="Title 1">
+            <a:extLst>
+              <a:ext uri="{FF2B5EF4-FFF2-40B4-BE49-F238E27FC236}">
+                <a16:creationId xmlns:a16="http://schemas.microsoft.com/office/drawing/2014/main" id="{483D2C83-A145-4D1B-819D-60E27C5537B1}"/>
+              </a:ext>
+            </a:extLst>
+          </p:cNvPr>
           <p:cNvSpPr>
             <a:spLocks noGrp="1"/>
           </p:cNvSpPr>
@@ -2204,15 +2517,21 @@
               <a:rPr lang="en-US"/>
               <a:t>Click to edit Master title style</a:t>
             </a:r>
-            <a:endParaRPr lang="en-US" dirty="0"/>
-          </a:p>
-        </p:txBody>
-      </p:sp>
-      <p:sp>
-        <p:nvSpPr>
-          <p:cNvPr id="3" name="Picture Placeholder 2"/>
-          <p:cNvSpPr>
-            <a:spLocks noGrp="1" noChangeAspect="1"/>
+            <a:endParaRPr lang="en-IN"/>
+          </a:p>
+        </p:txBody>
+      </p:sp>
+      <p:sp>
+        <p:nvSpPr>
+          <p:cNvPr id="3" name="Picture Placeholder 2">
+            <a:extLst>
+              <a:ext uri="{FF2B5EF4-FFF2-40B4-BE49-F238E27FC236}">
+                <a16:creationId xmlns:a16="http://schemas.microsoft.com/office/drawing/2014/main" id="{C2E52FF5-E45F-4AD8-BD0E-3B8A146FBC8F}"/>
+              </a:ext>
+            </a:extLst>
+          </p:cNvPr>
+          <p:cNvSpPr>
+            <a:spLocks noGrp="1"/>
           </p:cNvSpPr>
           <p:nvPr>
             <p:ph type="pic" idx="1"/>
@@ -2225,7 +2544,7 @@
           </a:xfrm>
         </p:spPr>
         <p:txBody>
-          <a:bodyPr anchor="t"/>
+          <a:bodyPr/>
           <a:lstStyle>
             <a:lvl1pPr marL="0" indent="0">
               <a:buNone/>
@@ -2265,17 +2584,19 @@
             </a:lvl9pPr>
           </a:lstStyle>
           <a:p>
-            <a:r>
-              <a:rPr lang="en-US"/>
-              <a:t>Click icon to add picture</a:t>
-            </a:r>
-            <a:endParaRPr lang="en-US" dirty="0"/>
-          </a:p>
-        </p:txBody>
-      </p:sp>
-      <p:sp>
-        <p:nvSpPr>
-          <p:cNvPr id="4" name="Text Placeholder 3"/>
+            <a:endParaRPr lang="en-IN"/>
+          </a:p>
+        </p:txBody>
+      </p:sp>
+      <p:sp>
+        <p:nvSpPr>
+          <p:cNvPr id="4" name="Text Placeholder 3">
+            <a:extLst>
+              <a:ext uri="{FF2B5EF4-FFF2-40B4-BE49-F238E27FC236}">
+                <a16:creationId xmlns:a16="http://schemas.microsoft.com/office/drawing/2014/main" id="{2025DA0D-AE3A-45A4-9690-D296FE7087FA}"/>
+              </a:ext>
+            </a:extLst>
+          </p:cNvPr>
           <p:cNvSpPr>
             <a:spLocks noGrp="1"/>
           </p:cNvSpPr>
@@ -2340,7 +2661,13 @@
       </p:sp>
       <p:sp>
         <p:nvSpPr>
-          <p:cNvPr id="5" name="Date Placeholder 4"/>
+          <p:cNvPr id="5" name="Date Placeholder 4">
+            <a:extLst>
+              <a:ext uri="{FF2B5EF4-FFF2-40B4-BE49-F238E27FC236}">
+                <a16:creationId xmlns:a16="http://schemas.microsoft.com/office/drawing/2014/main" id="{29C14E2E-BF0E-46F2-9ED1-DBF3C6792FE6}"/>
+              </a:ext>
+            </a:extLst>
+          </p:cNvPr>
           <p:cNvSpPr>
             <a:spLocks noGrp="1"/>
           </p:cNvSpPr>
@@ -2363,7 +2690,13 @@
       </p:sp>
       <p:sp>
         <p:nvSpPr>
-          <p:cNvPr id="6" name="Footer Placeholder 5"/>
+          <p:cNvPr id="6" name="Footer Placeholder 5">
+            <a:extLst>
+              <a:ext uri="{FF2B5EF4-FFF2-40B4-BE49-F238E27FC236}">
+                <a16:creationId xmlns:a16="http://schemas.microsoft.com/office/drawing/2014/main" id="{3BB495F4-DA51-4340-8844-EA81F278897C}"/>
+              </a:ext>
+            </a:extLst>
+          </p:cNvPr>
           <p:cNvSpPr>
             <a:spLocks noGrp="1"/>
           </p:cNvSpPr>
@@ -2382,7 +2715,13 @@
       </p:sp>
       <p:sp>
         <p:nvSpPr>
-          <p:cNvPr id="7" name="Slide Number Placeholder 6"/>
+          <p:cNvPr id="7" name="Slide Number Placeholder 6">
+            <a:extLst>
+              <a:ext uri="{FF2B5EF4-FFF2-40B4-BE49-F238E27FC236}">
+                <a16:creationId xmlns:a16="http://schemas.microsoft.com/office/drawing/2014/main" id="{977B71A7-1CB1-4C59-8F5A-C7155663E1E6}"/>
+              </a:ext>
+            </a:extLst>
+          </p:cNvPr>
           <p:cNvSpPr>
             <a:spLocks noGrp="1"/>
           </p:cNvSpPr>
@@ -2406,7 +2745,7 @@
     </p:spTree>
     <p:extLst>
       <p:ext uri="{BB962C8B-B14F-4D97-AF65-F5344CB8AC3E}">
-        <p14:creationId xmlns:p14="http://schemas.microsoft.com/office/powerpoint/2010/main" val="262598503"/>
+        <p14:creationId xmlns:p14="http://schemas.microsoft.com/office/powerpoint/2010/main" val="2538541359"/>
       </p:ext>
     </p:extLst>
   </p:cSld>
@@ -2440,7 +2779,13 @@
       </p:grpSpPr>
       <p:sp>
         <p:nvSpPr>
-          <p:cNvPr id="2" name="Title Placeholder 1"/>
+          <p:cNvPr id="2" name="Title Placeholder 1">
+            <a:extLst>
+              <a:ext uri="{FF2B5EF4-FFF2-40B4-BE49-F238E27FC236}">
+                <a16:creationId xmlns:a16="http://schemas.microsoft.com/office/drawing/2014/main" id="{FA1DE626-6116-4165-B3E1-706FE452B111}"/>
+              </a:ext>
+            </a:extLst>
+          </p:cNvPr>
           <p:cNvSpPr>
             <a:spLocks noGrp="1"/>
           </p:cNvSpPr>
@@ -2467,13 +2812,19 @@
               <a:rPr lang="en-US"/>
               <a:t>Click to edit Master title style</a:t>
             </a:r>
-            <a:endParaRPr lang="en-US" dirty="0"/>
-          </a:p>
-        </p:txBody>
-      </p:sp>
-      <p:sp>
-        <p:nvSpPr>
-          <p:cNvPr id="3" name="Text Placeholder 2"/>
+            <a:endParaRPr lang="en-IN"/>
+          </a:p>
+        </p:txBody>
+      </p:sp>
+      <p:sp>
+        <p:nvSpPr>
+          <p:cNvPr id="3" name="Text Placeholder 2">
+            <a:extLst>
+              <a:ext uri="{FF2B5EF4-FFF2-40B4-BE49-F238E27FC236}">
+                <a16:creationId xmlns:a16="http://schemas.microsoft.com/office/drawing/2014/main" id="{B728C0AF-3F70-43A4-A4CB-FA43C3469E5B}"/>
+              </a:ext>
+            </a:extLst>
+          </p:cNvPr>
           <p:cNvSpPr>
             <a:spLocks noGrp="1"/>
           </p:cNvSpPr>
@@ -2529,13 +2880,19 @@
               <a:rPr lang="en-US"/>
               <a:t>Fifth level</a:t>
             </a:r>
-            <a:endParaRPr lang="en-US" dirty="0"/>
-          </a:p>
-        </p:txBody>
-      </p:sp>
-      <p:sp>
-        <p:nvSpPr>
-          <p:cNvPr id="4" name="Date Placeholder 3"/>
+            <a:endParaRPr lang="en-IN"/>
+          </a:p>
+        </p:txBody>
+      </p:sp>
+      <p:sp>
+        <p:nvSpPr>
+          <p:cNvPr id="4" name="Date Placeholder 3">
+            <a:extLst>
+              <a:ext uri="{FF2B5EF4-FFF2-40B4-BE49-F238E27FC236}">
+                <a16:creationId xmlns:a16="http://schemas.microsoft.com/office/drawing/2014/main" id="{B71C2DF0-16AF-45BF-8C06-17EE51F1E2D7}"/>
+              </a:ext>
+            </a:extLst>
+          </p:cNvPr>
           <p:cNvSpPr>
             <a:spLocks noGrp="1"/>
           </p:cNvSpPr>
@@ -2576,7 +2933,13 @@
       </p:sp>
       <p:sp>
         <p:nvSpPr>
-          <p:cNvPr id="5" name="Footer Placeholder 4"/>
+          <p:cNvPr id="5" name="Footer Placeholder 4">
+            <a:extLst>
+              <a:ext uri="{FF2B5EF4-FFF2-40B4-BE49-F238E27FC236}">
+                <a16:creationId xmlns:a16="http://schemas.microsoft.com/office/drawing/2014/main" id="{74A907B1-3688-4F73-B703-DCE280E6AECF}"/>
+              </a:ext>
+            </a:extLst>
+          </p:cNvPr>
           <p:cNvSpPr>
             <a:spLocks noGrp="1"/>
           </p:cNvSpPr>
@@ -2613,7 +2976,13 @@
       </p:sp>
       <p:sp>
         <p:nvSpPr>
-          <p:cNvPr id="6" name="Slide Number Placeholder 5"/>
+          <p:cNvPr id="6" name="Slide Number Placeholder 5">
+            <a:extLst>
+              <a:ext uri="{FF2B5EF4-FFF2-40B4-BE49-F238E27FC236}">
+                <a16:creationId xmlns:a16="http://schemas.microsoft.com/office/drawing/2014/main" id="{5E82F8CB-A54E-489C-9059-D683D5CC9777}"/>
+              </a:ext>
+            </a:extLst>
+          </p:cNvPr>
           <p:cNvSpPr>
             <a:spLocks noGrp="1"/>
           </p:cNvSpPr>
@@ -2655,23 +3024,23 @@
     </p:spTree>
     <p:extLst>
       <p:ext uri="{BB962C8B-B14F-4D97-AF65-F5344CB8AC3E}">
-        <p14:creationId xmlns:p14="http://schemas.microsoft.com/office/powerpoint/2010/main" val="1285127397"/>
+        <p14:creationId xmlns:p14="http://schemas.microsoft.com/office/powerpoint/2010/main" val="1885604166"/>
       </p:ext>
     </p:extLst>
   </p:cSld>
   <p:clrMap bg1="lt1" tx1="dk1" bg2="lt2" tx2="dk2" accent1="accent1" accent2="accent2" accent3="accent3" accent4="accent4" accent5="accent5" accent6="accent6" hlink="hlink" folHlink="folHlink"/>
   <p:sldLayoutIdLst>
-    <p:sldLayoutId id="2147483661" r:id="rId1"/>
-    <p:sldLayoutId id="2147483662" r:id="rId2"/>
-    <p:sldLayoutId id="2147483663" r:id="rId3"/>
-    <p:sldLayoutId id="2147483664" r:id="rId4"/>
-    <p:sldLayoutId id="2147483665" r:id="rId5"/>
-    <p:sldLayoutId id="2147483666" r:id="rId6"/>
-    <p:sldLayoutId id="2147483667" r:id="rId7"/>
-    <p:sldLayoutId id="2147483668" r:id="rId8"/>
-    <p:sldLayoutId id="2147483669" r:id="rId9"/>
-    <p:sldLayoutId id="2147483670" r:id="rId10"/>
-    <p:sldLayoutId id="2147483671" r:id="rId11"/>
+    <p:sldLayoutId id="2147483649" r:id="rId1"/>
+    <p:sldLayoutId id="2147483650" r:id="rId2"/>
+    <p:sldLayoutId id="2147483651" r:id="rId3"/>
+    <p:sldLayoutId id="2147483652" r:id="rId4"/>
+    <p:sldLayoutId id="2147483653" r:id="rId5"/>
+    <p:sldLayoutId id="2147483654" r:id="rId6"/>
+    <p:sldLayoutId id="2147483655" r:id="rId7"/>
+    <p:sldLayoutId id="2147483656" r:id="rId8"/>
+    <p:sldLayoutId id="2147483657" r:id="rId9"/>
+    <p:sldLayoutId id="2147483658" r:id="rId10"/>
+    <p:sldLayoutId id="2147483659" r:id="rId11"/>
   </p:sldLayoutIdLst>
   <p:txStyles>
     <p:titleStyle>
@@ -2959,14 +3328,6 @@
 <file path=ppt/slides/slide1.xml><?xml version="1.0" encoding="utf-8"?>
 <p:sld xmlns:a="http://schemas.openxmlformats.org/drawingml/2006/main" xmlns:r="http://schemas.openxmlformats.org/officeDocument/2006/relationships" xmlns:p="http://schemas.openxmlformats.org/presentationml/2006/main">
   <p:cSld>
-    <p:bg>
-      <p:bgPr>
-        <a:solidFill>
-          <a:schemeClr val="tx1"/>
-        </a:solidFill>
-        <a:effectLst/>
-      </p:bgPr>
-    </p:bg>
     <p:spTree>
       <p:nvGrpSpPr>
         <p:cNvPr id="1" name=""/>
@@ -3095,9 +3456,6 @@
             <a:pPr algn="ctr"/>
             <a:r>
               <a:rPr lang="en-IN" sz="1600" dirty="0">
-                <a:solidFill>
-                  <a:schemeClr val="bg1"/>
-                </a:solidFill>
                 <a:latin typeface="Amasis MT Pro Medium" panose="02040604050005020304" pitchFamily="18" charset="0"/>
               </a:rPr>
               <a:t>Admin Service</a:t>
@@ -3107,19 +3465,12 @@
             <a:pPr algn="ctr"/>
             <a:r>
               <a:rPr lang="en-IN" sz="1600" dirty="0">
-                <a:solidFill>
-                  <a:schemeClr val="bg1"/>
-                </a:solidFill>
                 <a:latin typeface="Amasis MT Pro Medium" panose="02040604050005020304" pitchFamily="18" charset="0"/>
               </a:rPr>
               <a:t>(JWT Authentication</a:t>
             </a:r>
             <a:r>
-              <a:rPr lang="en-IN" dirty="0">
-                <a:solidFill>
-                  <a:schemeClr val="bg1"/>
-                </a:solidFill>
-              </a:rPr>
+              <a:rPr lang="en-IN" dirty="0"/>
               <a:t>)</a:t>
             </a:r>
           </a:p>
@@ -3211,9 +3562,6 @@
             <a:pPr algn="ctr"/>
             <a:r>
               <a:rPr lang="en-IN" dirty="0">
-                <a:solidFill>
-                  <a:schemeClr val="bg1"/>
-                </a:solidFill>
                 <a:latin typeface="Amasis MT Pro Medium" panose="02040604050005020304" pitchFamily="18" charset="0"/>
               </a:rPr>
               <a:t>Flight Service</a:t>
@@ -3307,9 +3655,6 @@
             <a:pPr algn="ctr"/>
             <a:r>
               <a:rPr lang="en-IN" dirty="0">
-                <a:solidFill>
-                  <a:schemeClr val="bg1"/>
-                </a:solidFill>
                 <a:latin typeface="Amasis MT Pro Medium" panose="02040604050005020304" pitchFamily="18" charset="0"/>
               </a:rPr>
               <a:t>User Service</a:t>
@@ -3319,9 +3664,6 @@
             <a:pPr algn="ctr"/>
             <a:r>
               <a:rPr lang="en-IN" dirty="0">
-                <a:solidFill>
-                  <a:schemeClr val="bg1"/>
-                </a:solidFill>
                 <a:latin typeface="Amasis MT Pro Medium" panose="02040604050005020304" pitchFamily="18" charset="0"/>
               </a:rPr>
               <a:t>(JWT Service)</a:t>
@@ -3415,9 +3757,6 @@
             <a:pPr algn="ctr"/>
             <a:r>
               <a:rPr lang="en-IN" sz="2000" dirty="0">
-                <a:solidFill>
-                  <a:schemeClr val="bg1"/>
-                </a:solidFill>
                 <a:latin typeface="Amasis MT Pro Medium" panose="02040604050005020304" pitchFamily="18" charset="0"/>
               </a:rPr>
               <a:t>admin</a:t>
@@ -3511,9 +3850,6 @@
             <a:pPr algn="ctr"/>
             <a:r>
               <a:rPr lang="en-IN" sz="2400" dirty="0">
-                <a:solidFill>
-                  <a:schemeClr val="bg1"/>
-                </a:solidFill>
                 <a:latin typeface="Amasis MT Pro Medium" panose="02040604050005020304" pitchFamily="18" charset="0"/>
               </a:rPr>
               <a:t>user</a:t>
@@ -3607,9 +3943,6 @@
             <a:pPr algn="ctr"/>
             <a:r>
               <a:rPr lang="en-IN" sz="2000" dirty="0">
-                <a:solidFill>
-                  <a:schemeClr val="bg1"/>
-                </a:solidFill>
                 <a:latin typeface="Amasis MT Pro Medium" panose="02040604050005020304" pitchFamily="18" charset="0"/>
               </a:rPr>
               <a:t>tickets</a:t>
@@ -3703,9 +4036,6 @@
             <a:pPr algn="ctr"/>
             <a:r>
               <a:rPr lang="en-IN" sz="2000" dirty="0">
-                <a:solidFill>
-                  <a:schemeClr val="bg1"/>
-                </a:solidFill>
                 <a:latin typeface="Amasis MT Pro Medium" panose="02040604050005020304" pitchFamily="18" charset="0"/>
               </a:rPr>
               <a:t>flights</a:t>
@@ -3799,9 +4129,6 @@
             <a:pPr algn="ctr"/>
             <a:r>
               <a:rPr lang="en-IN" dirty="0">
-                <a:solidFill>
-                  <a:schemeClr val="bg1"/>
-                </a:solidFill>
                 <a:latin typeface="Amasis MT Pro Medium" panose="020B0604020202020204" pitchFamily="18" charset="0"/>
               </a:rPr>
               <a:t>Angular (UI)</a:t>
@@ -3895,9 +4222,6 @@
             <a:pPr algn="ctr"/>
             <a:r>
               <a:rPr lang="en-IN" dirty="0">
-                <a:solidFill>
-                  <a:schemeClr val="bg1"/>
-                </a:solidFill>
                 <a:latin typeface="Amasis MT Pro Medium" panose="02040604050005020304" pitchFamily="18" charset="0"/>
               </a:rPr>
               <a:t>API Gateway</a:t>
@@ -3929,9 +4253,6 @@
             <a:avLst/>
           </a:prstGeom>
           <a:ln w="28575">
-            <a:solidFill>
-              <a:schemeClr val="bg1"/>
-            </a:solidFill>
             <a:headEnd type="none" w="med" len="med"/>
             <a:tailEnd type="arrow" w="med" len="med"/>
           </a:ln>
@@ -3983,9 +4304,6 @@
             <a:avLst/>
           </a:prstGeom>
           <a:ln w="28575">
-            <a:solidFill>
-              <a:schemeClr val="bg1"/>
-            </a:solidFill>
             <a:headEnd type="none" w="med" len="med"/>
             <a:tailEnd type="arrow" w="med" len="med"/>
           </a:ln>
@@ -4023,22 +4341,19 @@
           </p:cNvPr>
           <p:cNvCxnSpPr>
             <a:cxnSpLocks/>
-            <a:endCxn id="11" idx="3"/>
+            <a:stCxn id="8" idx="0"/>
           </p:cNvCxnSpPr>
           <p:nvPr/>
         </p:nvCxnSpPr>
         <p:spPr>
           <a:xfrm flipV="1">
-            <a:off x="8612653" y="1647409"/>
-            <a:ext cx="1537404" cy="357586"/>
+            <a:off x="7755358" y="1229430"/>
+            <a:ext cx="2176867" cy="133316"/>
           </a:xfrm>
           <a:prstGeom prst="straightConnector1">
             <a:avLst/>
           </a:prstGeom>
           <a:ln w="28575">
-            <a:solidFill>
-              <a:schemeClr val="bg1"/>
-            </a:solidFill>
             <a:headEnd type="none" w="med" len="med"/>
             <a:tailEnd type="arrow" w="med" len="med"/>
           </a:ln>
@@ -4076,23 +4391,20 @@
           </p:cNvPr>
           <p:cNvCxnSpPr>
             <a:cxnSpLocks/>
-            <a:stCxn id="16" idx="3"/>
+            <a:stCxn id="16" idx="0"/>
             <a:endCxn id="8" idx="1"/>
           </p:cNvCxnSpPr>
           <p:nvPr/>
         </p:nvCxnSpPr>
         <p:spPr>
           <a:xfrm flipV="1">
-            <a:off x="4823383" y="2036763"/>
-            <a:ext cx="2059996" cy="1929800"/>
+            <a:off x="4036245" y="2036763"/>
+            <a:ext cx="2847134" cy="770913"/>
           </a:xfrm>
           <a:prstGeom prst="straightConnector1">
             <a:avLst/>
           </a:prstGeom>
           <a:ln w="28575">
-            <a:solidFill>
-              <a:schemeClr val="bg1"/>
-            </a:solidFill>
             <a:headEnd type="none" w="med" len="med"/>
             <a:tailEnd type="arrow" w="med" len="med"/>
           </a:ln>
@@ -4144,9 +4456,6 @@
             <a:avLst/>
           </a:prstGeom>
           <a:ln w="28575">
-            <a:solidFill>
-              <a:schemeClr val="bg1"/>
-            </a:solidFill>
             <a:headEnd type="none" w="med" len="med"/>
             <a:tailEnd type="arrow" w="med" len="med"/>
           </a:ln>
@@ -4184,23 +4493,19 @@
           </p:cNvPr>
           <p:cNvCxnSpPr>
             <a:cxnSpLocks/>
-            <a:stCxn id="10" idx="3"/>
-            <a:endCxn id="13" idx="1"/>
+            <a:endCxn id="13" idx="2"/>
           </p:cNvCxnSpPr>
           <p:nvPr/>
         </p:nvCxnSpPr>
         <p:spPr>
-          <a:xfrm flipV="1">
-            <a:off x="8638987" y="5753805"/>
-            <a:ext cx="1565328" cy="75547"/>
+          <a:xfrm>
+            <a:off x="8581828" y="5573551"/>
+            <a:ext cx="1378134" cy="586865"/>
           </a:xfrm>
           <a:prstGeom prst="straightConnector1">
             <a:avLst/>
           </a:prstGeom>
           <a:ln w="28575">
-            <a:solidFill>
-              <a:schemeClr val="bg1"/>
-            </a:solidFill>
             <a:headEnd type="none" w="med" len="med"/>
             <a:tailEnd type="arrow" w="med" len="med"/>
           </a:ln>
@@ -4252,9 +4557,6 @@
             <a:avLst/>
           </a:prstGeom>
           <a:ln w="28575">
-            <a:solidFill>
-              <a:schemeClr val="bg1"/>
-            </a:solidFill>
             <a:headEnd type="none" w="med" len="med"/>
             <a:tailEnd type="arrow" w="med" len="med"/>
           </a:ln>
@@ -4292,23 +4594,19 @@
           </p:cNvPr>
           <p:cNvCxnSpPr>
             <a:cxnSpLocks/>
-            <a:stCxn id="10" idx="3"/>
-            <a:endCxn id="12" idx="3"/>
+            <a:endCxn id="12" idx="2"/>
           </p:cNvCxnSpPr>
           <p:nvPr/>
         </p:nvCxnSpPr>
         <p:spPr>
           <a:xfrm flipV="1">
-            <a:off x="8638987" y="4822503"/>
-            <a:ext cx="1575298" cy="1006849"/>
+            <a:off x="8549323" y="4415892"/>
+            <a:ext cx="1420609" cy="744580"/>
           </a:xfrm>
           <a:prstGeom prst="straightConnector1">
             <a:avLst/>
           </a:prstGeom>
           <a:ln w="28575">
-            <a:solidFill>
-              <a:schemeClr val="bg1"/>
-            </a:solidFill>
             <a:headEnd type="none" w="med" len="med"/>
             <a:tailEnd type="arrow" w="med" len="med"/>
           </a:ln>
@@ -4346,23 +4644,19 @@
           </p:cNvPr>
           <p:cNvCxnSpPr>
             <a:cxnSpLocks/>
-            <a:stCxn id="9" idx="3"/>
-            <a:endCxn id="14" idx="3"/>
+            <a:endCxn id="14" idx="2"/>
           </p:cNvCxnSpPr>
           <p:nvPr/>
         </p:nvCxnSpPr>
         <p:spPr>
           <a:xfrm flipV="1">
-            <a:off x="8628962" y="3182100"/>
-            <a:ext cx="1547616" cy="706187"/>
+            <a:off x="8581828" y="2775489"/>
+            <a:ext cx="1350397" cy="602428"/>
           </a:xfrm>
           <a:prstGeom prst="straightConnector1">
             <a:avLst/>
           </a:prstGeom>
           <a:ln w="28575">
-            <a:solidFill>
-              <a:schemeClr val="bg1"/>
-            </a:solidFill>
             <a:headEnd type="none" w="med" len="med"/>
             <a:tailEnd type="arrow" w="med" len="med"/>
           </a:ln>
@@ -4400,23 +4694,20 @@
           </p:cNvPr>
           <p:cNvCxnSpPr>
             <a:cxnSpLocks/>
-            <a:stCxn id="16" idx="3"/>
+            <a:stCxn id="16" idx="2"/>
             <a:endCxn id="10" idx="1"/>
           </p:cNvCxnSpPr>
           <p:nvPr/>
         </p:nvCxnSpPr>
         <p:spPr>
           <a:xfrm>
-            <a:off x="4823383" y="3966563"/>
-            <a:ext cx="2071645" cy="1862789"/>
+            <a:off x="4036245" y="5125449"/>
+            <a:ext cx="2858783" cy="703903"/>
           </a:xfrm>
           <a:prstGeom prst="straightConnector1">
             <a:avLst/>
           </a:prstGeom>
           <a:ln w="28575">
-            <a:solidFill>
-              <a:schemeClr val="bg1"/>
-            </a:solidFill>
             <a:headEnd type="none" w="med" len="med"/>
             <a:tailEnd type="arrow" w="med" len="med"/>
           </a:ln>
@@ -4457,8 +4748,8 @@
         </p:nvSpPr>
         <p:spPr>
           <a:xfrm>
-            <a:off x="2931736" y="1122364"/>
-            <a:ext cx="6373487" cy="5537994"/>
+            <a:off x="2931736" y="1122363"/>
+            <a:ext cx="6095457" cy="5676485"/>
           </a:xfrm>
           <a:prstGeom prst="roundRect">
             <a:avLst/>
@@ -4466,7 +4757,7 @@
           <a:noFill/>
           <a:ln w="76200" cap="flat" cmpd="sng" algn="ctr">
             <a:solidFill>
-              <a:schemeClr val="bg1"/>
+              <a:schemeClr val="accent3"/>
             </a:solidFill>
             <a:prstDash val="solid"/>
             <a:round/>
@@ -4511,8 +4802,8 @@
         </p:nvSpPr>
         <p:spPr>
           <a:xfrm>
-            <a:off x="9624767" y="122548"/>
-            <a:ext cx="2196445" cy="6735451"/>
+            <a:off x="9624767" y="0"/>
+            <a:ext cx="2196445" cy="6858000"/>
           </a:xfrm>
           <a:prstGeom prst="roundRect">
             <a:avLst/>
@@ -4520,7 +4811,7 @@
           <a:noFill/>
           <a:ln w="76200" cap="flat" cmpd="sng" algn="ctr">
             <a:solidFill>
-              <a:schemeClr val="bg1"/>
+              <a:schemeClr val="accent3"/>
             </a:solidFill>
             <a:prstDash val="solid"/>
             <a:round/>
@@ -4565,7 +4856,7 @@
         </p:nvSpPr>
         <p:spPr>
           <a:xfrm>
-            <a:off x="9978218" y="151483"/>
+            <a:off x="10004739" y="70960"/>
             <a:ext cx="1523515" cy="400110"/>
           </a:xfrm>
           <a:prstGeom prst="rect">
@@ -4580,14 +4871,14 @@
           <a:lstStyle/>
           <a:p>
             <a:r>
-              <a:rPr lang="en-IN" sz="2000" dirty="0">
-                <a:solidFill>
-                  <a:schemeClr val="bg1"/>
-                </a:solidFill>
+              <a:rPr lang="en-IN" sz="2000" dirty="0" err="1">
                 <a:latin typeface="Amasis MT Pro Medium" panose="02040604050005020304" pitchFamily="18" charset="0"/>
               </a:rPr>
               <a:t>Mongodb</a:t>
             </a:r>
+            <a:endParaRPr lang="en-IN" sz="2000" dirty="0">
+              <a:latin typeface="Amasis MT Pro Medium" panose="02040604050005020304" pitchFamily="18" charset="0"/>
+            </a:endParaRPr>
           </a:p>
         </p:txBody>
       </p:sp>
@@ -4621,9 +4912,6 @@
           <a:p>
             <a:r>
               <a:rPr lang="en-IN" sz="2400" dirty="0">
-                <a:solidFill>
-                  <a:schemeClr val="bg1"/>
-                </a:solidFill>
                 <a:latin typeface="Amasis MT Pro Medium" panose="02040604050005020304" pitchFamily="18" charset="0"/>
               </a:rPr>
               <a:t>Eureka Server</a:t>
@@ -4645,7 +4933,7 @@
         </p:nvSpPr>
         <p:spPr>
           <a:xfrm>
-            <a:off x="1614400" y="197642"/>
+            <a:off x="1743958" y="85135"/>
             <a:ext cx="7690823" cy="646331"/>
           </a:xfrm>
           <a:prstGeom prst="rect">
@@ -4662,7 +4950,9 @@
             <a:r>
               <a:rPr lang="en-IN" sz="3600" dirty="0">
                 <a:solidFill>
-                  <a:schemeClr val="bg1"/>
+                  <a:schemeClr val="accent1">
+                    <a:lumMod val="50000"/>
+                  </a:schemeClr>
                 </a:solidFill>
                 <a:latin typeface="Amasis MT Pro Medium" panose="02040604050005020304" pitchFamily="18" charset="0"/>
               </a:rPr>
@@ -4687,7 +4977,7 @@
 <file path=ppt/theme/theme1.xml><?xml version="1.0" encoding="utf-8"?>
 <a:theme xmlns:a="http://schemas.openxmlformats.org/drawingml/2006/main" name="Office Theme">
   <a:themeElements>
-    <a:clrScheme name="Office Theme">
+    <a:clrScheme name="Office">
       <a:dk1>
         <a:sysClr val="windowText" lastClr="000000"/>
       </a:dk1>
@@ -4701,22 +4991,22 @@
         <a:srgbClr val="E7E6E6"/>
       </a:lt2>
       <a:accent1>
-        <a:srgbClr val="1D9A78"/>
+        <a:srgbClr val="4472C4"/>
       </a:accent1>
       <a:accent2>
-        <a:srgbClr val="8BC145"/>
+        <a:srgbClr val="ED7D31"/>
       </a:accent2>
       <a:accent3>
-        <a:srgbClr val="36AFCE"/>
+        <a:srgbClr val="A5A5A5"/>
       </a:accent3>
       <a:accent4>
-        <a:srgbClr val="1D6FA9"/>
+        <a:srgbClr val="FFC000"/>
       </a:accent4>
       <a:accent5>
-        <a:srgbClr val="B74919"/>
+        <a:srgbClr val="5B9BD5"/>
       </a:accent5>
       <a:accent6>
-        <a:srgbClr val="F19D19"/>
+        <a:srgbClr val="70AD47"/>
       </a:accent6>
       <a:hlink>
         <a:srgbClr val="0563C1"/>
@@ -4725,7 +5015,7 @@
         <a:srgbClr val="954F72"/>
       </a:folHlink>
     </a:clrScheme>
-    <a:fontScheme name="Office Theme">
+    <a:fontScheme name="Office">
       <a:majorFont>
         <a:latin typeface="Calibri Light" panose="020F0302020204030204"/>
         <a:ea typeface=""/>
@@ -4760,6 +5050,23 @@
         <a:font script="Viet" typeface="Times New Roman"/>
         <a:font script="Uigh" typeface="Microsoft Uighur"/>
         <a:font script="Geor" typeface="Sylfaen"/>
+        <a:font script="Armn" typeface="Arial"/>
+        <a:font script="Bugi" typeface="Leelawadee UI"/>
+        <a:font script="Bopo" typeface="Microsoft JhengHei"/>
+        <a:font script="Java" typeface="Javanese Text"/>
+        <a:font script="Lisu" typeface="Segoe UI"/>
+        <a:font script="Mymr" typeface="Myanmar Text"/>
+        <a:font script="Nkoo" typeface="Ebrima"/>
+        <a:font script="Olck" typeface="Nirmala UI"/>
+        <a:font script="Osma" typeface="Ebrima"/>
+        <a:font script="Phag" typeface="Phagspa"/>
+        <a:font script="Syrn" typeface="Estrangelo Edessa"/>
+        <a:font script="Syrj" typeface="Estrangelo Edessa"/>
+        <a:font script="Syre" typeface="Estrangelo Edessa"/>
+        <a:font script="Sora" typeface="Nirmala UI"/>
+        <a:font script="Tale" typeface="Microsoft Tai Le"/>
+        <a:font script="Talu" typeface="Microsoft New Tai Lue"/>
+        <a:font script="Tfng" typeface="Ebrima"/>
       </a:majorFont>
       <a:minorFont>
         <a:latin typeface="Calibri" panose="020F0502020204030204"/>
@@ -4795,9 +5102,26 @@
         <a:font script="Viet" typeface="Arial"/>
         <a:font script="Uigh" typeface="Microsoft Uighur"/>
         <a:font script="Geor" typeface="Sylfaen"/>
+        <a:font script="Armn" typeface="Arial"/>
+        <a:font script="Bugi" typeface="Leelawadee UI"/>
+        <a:font script="Bopo" typeface="Microsoft JhengHei"/>
+        <a:font script="Java" typeface="Javanese Text"/>
+        <a:font script="Lisu" typeface="Segoe UI"/>
+        <a:font script="Mymr" typeface="Myanmar Text"/>
+        <a:font script="Nkoo" typeface="Ebrima"/>
+        <a:font script="Olck" typeface="Nirmala UI"/>
+        <a:font script="Osma" typeface="Ebrima"/>
+        <a:font script="Phag" typeface="Phagspa"/>
+        <a:font script="Syrn" typeface="Estrangelo Edessa"/>
+        <a:font script="Syrj" typeface="Estrangelo Edessa"/>
+        <a:font script="Syre" typeface="Estrangelo Edessa"/>
+        <a:font script="Sora" typeface="Nirmala UI"/>
+        <a:font script="Tale" typeface="Microsoft Tai Le"/>
+        <a:font script="Talu" typeface="Microsoft New Tai Lue"/>
+        <a:font script="Tfng" typeface="Ebrima"/>
       </a:minorFont>
     </a:fontScheme>
-    <a:fmtScheme name="Office Theme">
+    <a:fmtScheme name="Office">
       <a:fillStyleLst>
         <a:solidFill>
           <a:schemeClr val="phClr"/>
@@ -4939,7 +5263,7 @@
   <a:extraClrSchemeLst/>
   <a:extLst>
     <a:ext uri="{05A4C25C-085E-4340-85A3-A5531E510DB2}">
-      <thm15:themeFamily xmlns:thm15="http://schemas.microsoft.com/office/thememl/2012/main" name="Office Theme" id="{62F939B6-93AF-4DB8-9C6B-D6C7DFDC589F}" vid="{AE6F2518-B084-4896-AF52-66CC2144AA26}"/>
+      <thm15:themeFamily xmlns:thm15="http://schemas.microsoft.com/office/thememl/2012/main" name="Office Theme" id="{62F939B6-93AF-4DB8-9C6B-D6C7DFDC589F}" vid="{4A3C46E8-61CC-4603-A589-7422A47A8E4A}"/>
     </a:ext>
   </a:extLst>
 </a:theme>
